--- a/docs/figure/chapter04/p.pptx
+++ b/docs/figure/chapter04/p.pptx
@@ -1,12 +1,13 @@
 
 <file path=ppt/presentation.xml><?xml version="1.0" encoding="utf-8"?>
-<p:presentation xmlns:a="http://schemas.openxmlformats.org/drawingml/2006/main" xmlns:r="http://schemas.openxmlformats.org/officeDocument/2006/relationships" xmlns:p="http://schemas.openxmlformats.org/presentationml/2006/main" saveSubsetFonts="1" autoCompressPictures="0">
+<p:presentation xmlns:a="http://schemas.openxmlformats.org/drawingml/2006/main" xmlns:r="http://schemas.openxmlformats.org/officeDocument/2006/relationships" xmlns:p="http://schemas.openxmlformats.org/presentationml/2006/main" autoCompressPictures="0">
   <p:sldMasterIdLst>
-    <p:sldMasterId id="2147483660" r:id="rId1"/>
+    <p:sldMasterId id="2147483648" r:id="rId1"/>
   </p:sldMasterIdLst>
   <p:sldIdLst>
-    <p:sldId id="256" r:id="rId2"/>
-    <p:sldId id="257" r:id="rId3"/>
+    <p:sldId id="256" r:id="rId3"/>
+    <p:sldId id="257" r:id="rId4"/>
+    <p:sldId id="258" r:id="rId5"/>
   </p:sldIdLst>
   <p:sldSz cx="6858000" cy="12192000"/>
   <p:notesSz cx="6858000" cy="9144000"/>
@@ -105,11 +106,6 @@
       </a:defRPr>
     </a:lvl9pPr>
   </p:defaultTextStyle>
-  <p:extLst>
-    <p:ext uri="{EFAFB233-063F-42B5-8137-9DF3F51BA10A}">
-      <p15:sldGuideLst xmlns:p15="http://schemas.microsoft.com/office/powerpoint/2012/main"/>
-    </p:ext>
-  </p:extLst>
 </p:presentation>
 </file>
 
@@ -169,7 +165,7 @@
             <a:spLocks noGrp="1"/>
           </p:cNvSpPr>
           <p:nvPr>
-            <p:ph type="subTitle" idx="1"/>
+            <p:ph type="subTitle" idx="1" hasCustomPrompt="1"/>
           </p:nvPr>
         </p:nvSpPr>
         <p:spPr>
@@ -244,7 +240,6 @@
           <a:p>
             <a:fld id="{92F175D5-BB51-4950-90D9-A6D48679C7AB}" type="datetimeFigureOut">
               <a:rPr lang="zh-CN" altLang="en-US" smtClean="0"/>
-              <a:t>2019/12/25</a:t>
             </a:fld>
             <a:endParaRPr lang="zh-CN" altLang="en-US"/>
           </a:p>
@@ -286,18 +281,12 @@
           <a:p>
             <a:fld id="{E2F035BE-856B-460A-90B2-0D524670C825}" type="slidenum">
               <a:rPr lang="zh-CN" altLang="en-US" smtClean="0"/>
-              <a:t>‹#›</a:t>
             </a:fld>
             <a:endParaRPr lang="zh-CN" altLang="en-US"/>
           </a:p>
         </p:txBody>
       </p:sp>
     </p:spTree>
-    <p:extLst>
-      <p:ext uri="{BB962C8B-B14F-4D97-AF65-F5344CB8AC3E}">
-        <p14:creationId xmlns:p14="http://schemas.microsoft.com/office/powerpoint/2010/main" val="1450886875"/>
-      </p:ext>
-    </p:extLst>
   </p:cSld>
   <p:clrMapOvr>
     <a:masterClrMapping/>
@@ -352,7 +341,7 @@
             <a:spLocks noGrp="1"/>
           </p:cNvSpPr>
           <p:nvPr>
-            <p:ph type="body" orient="vert" idx="1"/>
+            <p:ph type="body" orient="vert" idx="1" hasCustomPrompt="1"/>
           </p:nvPr>
         </p:nvSpPr>
         <p:spPr/>
@@ -365,6 +354,7 @@
               <a:rPr lang="zh-CN" altLang="en-US" smtClean="0"/>
               <a:t>编辑母版文本样式</a:t>
             </a:r>
+            <a:endParaRPr lang="zh-CN" altLang="en-US" smtClean="0"/>
           </a:p>
           <a:p>
             <a:pPr lvl="1"/>
@@ -372,6 +362,7 @@
               <a:rPr lang="zh-CN" altLang="en-US" smtClean="0"/>
               <a:t>第二级</a:t>
             </a:r>
+            <a:endParaRPr lang="zh-CN" altLang="en-US" smtClean="0"/>
           </a:p>
           <a:p>
             <a:pPr lvl="2"/>
@@ -379,6 +370,7 @@
               <a:rPr lang="zh-CN" altLang="en-US" smtClean="0"/>
               <a:t>第三级</a:t>
             </a:r>
+            <a:endParaRPr lang="zh-CN" altLang="en-US" smtClean="0"/>
           </a:p>
           <a:p>
             <a:pPr lvl="3"/>
@@ -386,6 +378,7 @@
               <a:rPr lang="zh-CN" altLang="en-US" smtClean="0"/>
               <a:t>第四级</a:t>
             </a:r>
+            <a:endParaRPr lang="zh-CN" altLang="en-US" smtClean="0"/>
           </a:p>
           <a:p>
             <a:pPr lvl="4"/>
@@ -414,7 +407,6 @@
           <a:p>
             <a:fld id="{92F175D5-BB51-4950-90D9-A6D48679C7AB}" type="datetimeFigureOut">
               <a:rPr lang="zh-CN" altLang="en-US" smtClean="0"/>
-              <a:t>2019/12/25</a:t>
             </a:fld>
             <a:endParaRPr lang="zh-CN" altLang="en-US"/>
           </a:p>
@@ -456,18 +448,12 @@
           <a:p>
             <a:fld id="{E2F035BE-856B-460A-90B2-0D524670C825}" type="slidenum">
               <a:rPr lang="zh-CN" altLang="en-US" smtClean="0"/>
-              <a:t>‹#›</a:t>
             </a:fld>
             <a:endParaRPr lang="zh-CN" altLang="en-US"/>
           </a:p>
         </p:txBody>
       </p:sp>
     </p:spTree>
-    <p:extLst>
-      <p:ext uri="{BB962C8B-B14F-4D97-AF65-F5344CB8AC3E}">
-        <p14:creationId xmlns:p14="http://schemas.microsoft.com/office/powerpoint/2010/main" val="3487274715"/>
-      </p:ext>
-    </p:extLst>
   </p:cSld>
   <p:clrMapOvr>
     <a:masterClrMapping/>
@@ -527,7 +513,7 @@
             <a:spLocks noGrp="1"/>
           </p:cNvSpPr>
           <p:nvPr>
-            <p:ph type="body" orient="vert" idx="1"/>
+            <p:ph type="body" orient="vert" idx="1" hasCustomPrompt="1"/>
           </p:nvPr>
         </p:nvSpPr>
         <p:spPr>
@@ -545,6 +531,7 @@
               <a:rPr lang="zh-CN" altLang="en-US" smtClean="0"/>
               <a:t>编辑母版文本样式</a:t>
             </a:r>
+            <a:endParaRPr lang="zh-CN" altLang="en-US" smtClean="0"/>
           </a:p>
           <a:p>
             <a:pPr lvl="1"/>
@@ -552,6 +539,7 @@
               <a:rPr lang="zh-CN" altLang="en-US" smtClean="0"/>
               <a:t>第二级</a:t>
             </a:r>
+            <a:endParaRPr lang="zh-CN" altLang="en-US" smtClean="0"/>
           </a:p>
           <a:p>
             <a:pPr lvl="2"/>
@@ -559,6 +547,7 @@
               <a:rPr lang="zh-CN" altLang="en-US" smtClean="0"/>
               <a:t>第三级</a:t>
             </a:r>
+            <a:endParaRPr lang="zh-CN" altLang="en-US" smtClean="0"/>
           </a:p>
           <a:p>
             <a:pPr lvl="3"/>
@@ -566,6 +555,7 @@
               <a:rPr lang="zh-CN" altLang="en-US" smtClean="0"/>
               <a:t>第四级</a:t>
             </a:r>
+            <a:endParaRPr lang="zh-CN" altLang="en-US" smtClean="0"/>
           </a:p>
           <a:p>
             <a:pPr lvl="4"/>
@@ -594,7 +584,6 @@
           <a:p>
             <a:fld id="{92F175D5-BB51-4950-90D9-A6D48679C7AB}" type="datetimeFigureOut">
               <a:rPr lang="zh-CN" altLang="en-US" smtClean="0"/>
-              <a:t>2019/12/25</a:t>
             </a:fld>
             <a:endParaRPr lang="zh-CN" altLang="en-US"/>
           </a:p>
@@ -636,18 +625,12 @@
           <a:p>
             <a:fld id="{E2F035BE-856B-460A-90B2-0D524670C825}" type="slidenum">
               <a:rPr lang="zh-CN" altLang="en-US" smtClean="0"/>
-              <a:t>‹#›</a:t>
             </a:fld>
             <a:endParaRPr lang="zh-CN" altLang="en-US"/>
           </a:p>
         </p:txBody>
       </p:sp>
     </p:spTree>
-    <p:extLst>
-      <p:ext uri="{BB962C8B-B14F-4D97-AF65-F5344CB8AC3E}">
-        <p14:creationId xmlns:p14="http://schemas.microsoft.com/office/powerpoint/2010/main" val="590243547"/>
-      </p:ext>
-    </p:extLst>
   </p:cSld>
   <p:clrMapOvr>
     <a:masterClrMapping/>
@@ -702,7 +685,7 @@
             <a:spLocks noGrp="1"/>
           </p:cNvSpPr>
           <p:nvPr>
-            <p:ph idx="1"/>
+            <p:ph idx="1" hasCustomPrompt="1"/>
           </p:nvPr>
         </p:nvSpPr>
         <p:spPr/>
@@ -715,6 +698,7 @@
               <a:rPr lang="zh-CN" altLang="en-US" smtClean="0"/>
               <a:t>编辑母版文本样式</a:t>
             </a:r>
+            <a:endParaRPr lang="zh-CN" altLang="en-US" smtClean="0"/>
           </a:p>
           <a:p>
             <a:pPr lvl="1"/>
@@ -722,6 +706,7 @@
               <a:rPr lang="zh-CN" altLang="en-US" smtClean="0"/>
               <a:t>第二级</a:t>
             </a:r>
+            <a:endParaRPr lang="zh-CN" altLang="en-US" smtClean="0"/>
           </a:p>
           <a:p>
             <a:pPr lvl="2"/>
@@ -729,6 +714,7 @@
               <a:rPr lang="zh-CN" altLang="en-US" smtClean="0"/>
               <a:t>第三级</a:t>
             </a:r>
+            <a:endParaRPr lang="zh-CN" altLang="en-US" smtClean="0"/>
           </a:p>
           <a:p>
             <a:pPr lvl="3"/>
@@ -736,6 +722,7 @@
               <a:rPr lang="zh-CN" altLang="en-US" smtClean="0"/>
               <a:t>第四级</a:t>
             </a:r>
+            <a:endParaRPr lang="zh-CN" altLang="en-US" smtClean="0"/>
           </a:p>
           <a:p>
             <a:pPr lvl="4"/>
@@ -764,7 +751,6 @@
           <a:p>
             <a:fld id="{92F175D5-BB51-4950-90D9-A6D48679C7AB}" type="datetimeFigureOut">
               <a:rPr lang="zh-CN" altLang="en-US" smtClean="0"/>
-              <a:t>2019/12/25</a:t>
             </a:fld>
             <a:endParaRPr lang="zh-CN" altLang="en-US"/>
           </a:p>
@@ -806,18 +792,12 @@
           <a:p>
             <a:fld id="{E2F035BE-856B-460A-90B2-0D524670C825}" type="slidenum">
               <a:rPr lang="zh-CN" altLang="en-US" smtClean="0"/>
-              <a:t>‹#›</a:t>
             </a:fld>
             <a:endParaRPr lang="zh-CN" altLang="en-US"/>
           </a:p>
         </p:txBody>
       </p:sp>
     </p:spTree>
-    <p:extLst>
-      <p:ext uri="{BB962C8B-B14F-4D97-AF65-F5344CB8AC3E}">
-        <p14:creationId xmlns:p14="http://schemas.microsoft.com/office/powerpoint/2010/main" val="1788689873"/>
-      </p:ext>
-    </p:extLst>
   </p:cSld>
   <p:clrMapOvr>
     <a:masterClrMapping/>
@@ -881,7 +861,7 @@
             <a:spLocks noGrp="1"/>
           </p:cNvSpPr>
           <p:nvPr>
-            <p:ph type="body" idx="1"/>
+            <p:ph type="body" idx="1" hasCustomPrompt="1"/>
           </p:nvPr>
         </p:nvSpPr>
         <p:spPr>
@@ -988,6 +968,7 @@
               <a:rPr lang="zh-CN" altLang="en-US" smtClean="0"/>
               <a:t>编辑母版文本样式</a:t>
             </a:r>
+            <a:endParaRPr lang="zh-CN" altLang="en-US" smtClean="0"/>
           </a:p>
         </p:txBody>
       </p:sp>
@@ -1008,7 +989,6 @@
           <a:p>
             <a:fld id="{92F175D5-BB51-4950-90D9-A6D48679C7AB}" type="datetimeFigureOut">
               <a:rPr lang="zh-CN" altLang="en-US" smtClean="0"/>
-              <a:t>2019/12/25</a:t>
             </a:fld>
             <a:endParaRPr lang="zh-CN" altLang="en-US"/>
           </a:p>
@@ -1050,18 +1030,12 @@
           <a:p>
             <a:fld id="{E2F035BE-856B-460A-90B2-0D524670C825}" type="slidenum">
               <a:rPr lang="zh-CN" altLang="en-US" smtClean="0"/>
-              <a:t>‹#›</a:t>
             </a:fld>
             <a:endParaRPr lang="zh-CN" altLang="en-US"/>
           </a:p>
         </p:txBody>
       </p:sp>
     </p:spTree>
-    <p:extLst>
-      <p:ext uri="{BB962C8B-B14F-4D97-AF65-F5344CB8AC3E}">
-        <p14:creationId xmlns:p14="http://schemas.microsoft.com/office/powerpoint/2010/main" val="1511590521"/>
-      </p:ext>
-    </p:extLst>
   </p:cSld>
   <p:clrMapOvr>
     <a:masterClrMapping/>
@@ -1116,7 +1090,7 @@
             <a:spLocks noGrp="1"/>
           </p:cNvSpPr>
           <p:nvPr>
-            <p:ph sz="half" idx="1"/>
+            <p:ph sz="half" idx="1" hasCustomPrompt="1"/>
           </p:nvPr>
         </p:nvSpPr>
         <p:spPr>
@@ -1134,6 +1108,7 @@
               <a:rPr lang="zh-CN" altLang="en-US" smtClean="0"/>
               <a:t>编辑母版文本样式</a:t>
             </a:r>
+            <a:endParaRPr lang="zh-CN" altLang="en-US" smtClean="0"/>
           </a:p>
           <a:p>
             <a:pPr lvl="1"/>
@@ -1141,6 +1116,7 @@
               <a:rPr lang="zh-CN" altLang="en-US" smtClean="0"/>
               <a:t>第二级</a:t>
             </a:r>
+            <a:endParaRPr lang="zh-CN" altLang="en-US" smtClean="0"/>
           </a:p>
           <a:p>
             <a:pPr lvl="2"/>
@@ -1148,6 +1124,7 @@
               <a:rPr lang="zh-CN" altLang="en-US" smtClean="0"/>
               <a:t>第三级</a:t>
             </a:r>
+            <a:endParaRPr lang="zh-CN" altLang="en-US" smtClean="0"/>
           </a:p>
           <a:p>
             <a:pPr lvl="3"/>
@@ -1155,6 +1132,7 @@
               <a:rPr lang="zh-CN" altLang="en-US" smtClean="0"/>
               <a:t>第四级</a:t>
             </a:r>
+            <a:endParaRPr lang="zh-CN" altLang="en-US" smtClean="0"/>
           </a:p>
           <a:p>
             <a:pPr lvl="4"/>
@@ -1173,7 +1151,7 @@
             <a:spLocks noGrp="1"/>
           </p:cNvSpPr>
           <p:nvPr>
-            <p:ph sz="half" idx="2"/>
+            <p:ph sz="half" idx="2" hasCustomPrompt="1"/>
           </p:nvPr>
         </p:nvSpPr>
         <p:spPr>
@@ -1191,6 +1169,7 @@
               <a:rPr lang="zh-CN" altLang="en-US" smtClean="0"/>
               <a:t>编辑母版文本样式</a:t>
             </a:r>
+            <a:endParaRPr lang="zh-CN" altLang="en-US" smtClean="0"/>
           </a:p>
           <a:p>
             <a:pPr lvl="1"/>
@@ -1198,6 +1177,7 @@
               <a:rPr lang="zh-CN" altLang="en-US" smtClean="0"/>
               <a:t>第二级</a:t>
             </a:r>
+            <a:endParaRPr lang="zh-CN" altLang="en-US" smtClean="0"/>
           </a:p>
           <a:p>
             <a:pPr lvl="2"/>
@@ -1205,6 +1185,7 @@
               <a:rPr lang="zh-CN" altLang="en-US" smtClean="0"/>
               <a:t>第三级</a:t>
             </a:r>
+            <a:endParaRPr lang="zh-CN" altLang="en-US" smtClean="0"/>
           </a:p>
           <a:p>
             <a:pPr lvl="3"/>
@@ -1212,6 +1193,7 @@
               <a:rPr lang="zh-CN" altLang="en-US" smtClean="0"/>
               <a:t>第四级</a:t>
             </a:r>
+            <a:endParaRPr lang="zh-CN" altLang="en-US" smtClean="0"/>
           </a:p>
           <a:p>
             <a:pPr lvl="4"/>
@@ -1240,7 +1222,6 @@
           <a:p>
             <a:fld id="{92F175D5-BB51-4950-90D9-A6D48679C7AB}" type="datetimeFigureOut">
               <a:rPr lang="zh-CN" altLang="en-US" smtClean="0"/>
-              <a:t>2019/12/25</a:t>
             </a:fld>
             <a:endParaRPr lang="zh-CN" altLang="en-US"/>
           </a:p>
@@ -1282,18 +1263,12 @@
           <a:p>
             <a:fld id="{E2F035BE-856B-460A-90B2-0D524670C825}" type="slidenum">
               <a:rPr lang="zh-CN" altLang="en-US" smtClean="0"/>
-              <a:t>‹#›</a:t>
             </a:fld>
             <a:endParaRPr lang="zh-CN" altLang="en-US"/>
           </a:p>
         </p:txBody>
       </p:sp>
     </p:spTree>
-    <p:extLst>
-      <p:ext uri="{BB962C8B-B14F-4D97-AF65-F5344CB8AC3E}">
-        <p14:creationId xmlns:p14="http://schemas.microsoft.com/office/powerpoint/2010/main" val="2722032686"/>
-      </p:ext>
-    </p:extLst>
   </p:cSld>
   <p:clrMapOvr>
     <a:masterClrMapping/>
@@ -1353,7 +1328,7 @@
             <a:spLocks noGrp="1"/>
           </p:cNvSpPr>
           <p:nvPr>
-            <p:ph type="body" idx="1"/>
+            <p:ph type="body" idx="1" hasCustomPrompt="1"/>
           </p:nvPr>
         </p:nvSpPr>
         <p:spPr>
@@ -1408,6 +1383,7 @@
               <a:rPr lang="zh-CN" altLang="en-US" smtClean="0"/>
               <a:t>编辑母版文本样式</a:t>
             </a:r>
+            <a:endParaRPr lang="zh-CN" altLang="en-US" smtClean="0"/>
           </a:p>
         </p:txBody>
       </p:sp>
@@ -1418,7 +1394,7 @@
             <a:spLocks noGrp="1"/>
           </p:cNvSpPr>
           <p:nvPr>
-            <p:ph sz="half" idx="2"/>
+            <p:ph sz="half" idx="2" hasCustomPrompt="1"/>
           </p:nvPr>
         </p:nvSpPr>
         <p:spPr>
@@ -1436,6 +1412,7 @@
               <a:rPr lang="zh-CN" altLang="en-US" smtClean="0"/>
               <a:t>编辑母版文本样式</a:t>
             </a:r>
+            <a:endParaRPr lang="zh-CN" altLang="en-US" smtClean="0"/>
           </a:p>
           <a:p>
             <a:pPr lvl="1"/>
@@ -1443,6 +1420,7 @@
               <a:rPr lang="zh-CN" altLang="en-US" smtClean="0"/>
               <a:t>第二级</a:t>
             </a:r>
+            <a:endParaRPr lang="zh-CN" altLang="en-US" smtClean="0"/>
           </a:p>
           <a:p>
             <a:pPr lvl="2"/>
@@ -1450,6 +1428,7 @@
               <a:rPr lang="zh-CN" altLang="en-US" smtClean="0"/>
               <a:t>第三级</a:t>
             </a:r>
+            <a:endParaRPr lang="zh-CN" altLang="en-US" smtClean="0"/>
           </a:p>
           <a:p>
             <a:pPr lvl="3"/>
@@ -1457,6 +1436,7 @@
               <a:rPr lang="zh-CN" altLang="en-US" smtClean="0"/>
               <a:t>第四级</a:t>
             </a:r>
+            <a:endParaRPr lang="zh-CN" altLang="en-US" smtClean="0"/>
           </a:p>
           <a:p>
             <a:pPr lvl="4"/>
@@ -1475,7 +1455,7 @@
             <a:spLocks noGrp="1"/>
           </p:cNvSpPr>
           <p:nvPr>
-            <p:ph type="body" sz="quarter" idx="3"/>
+            <p:ph type="body" sz="quarter" idx="3" hasCustomPrompt="1"/>
           </p:nvPr>
         </p:nvSpPr>
         <p:spPr>
@@ -1530,6 +1510,7 @@
               <a:rPr lang="zh-CN" altLang="en-US" smtClean="0"/>
               <a:t>编辑母版文本样式</a:t>
             </a:r>
+            <a:endParaRPr lang="zh-CN" altLang="en-US" smtClean="0"/>
           </a:p>
         </p:txBody>
       </p:sp>
@@ -1540,7 +1521,7 @@
             <a:spLocks noGrp="1"/>
           </p:cNvSpPr>
           <p:nvPr>
-            <p:ph sz="quarter" idx="4"/>
+            <p:ph sz="quarter" idx="4" hasCustomPrompt="1"/>
           </p:nvPr>
         </p:nvSpPr>
         <p:spPr>
@@ -1558,6 +1539,7 @@
               <a:rPr lang="zh-CN" altLang="en-US" smtClean="0"/>
               <a:t>编辑母版文本样式</a:t>
             </a:r>
+            <a:endParaRPr lang="zh-CN" altLang="en-US" smtClean="0"/>
           </a:p>
           <a:p>
             <a:pPr lvl="1"/>
@@ -1565,6 +1547,7 @@
               <a:rPr lang="zh-CN" altLang="en-US" smtClean="0"/>
               <a:t>第二级</a:t>
             </a:r>
+            <a:endParaRPr lang="zh-CN" altLang="en-US" smtClean="0"/>
           </a:p>
           <a:p>
             <a:pPr lvl="2"/>
@@ -1572,6 +1555,7 @@
               <a:rPr lang="zh-CN" altLang="en-US" smtClean="0"/>
               <a:t>第三级</a:t>
             </a:r>
+            <a:endParaRPr lang="zh-CN" altLang="en-US" smtClean="0"/>
           </a:p>
           <a:p>
             <a:pPr lvl="3"/>
@@ -1579,6 +1563,7 @@
               <a:rPr lang="zh-CN" altLang="en-US" smtClean="0"/>
               <a:t>第四级</a:t>
             </a:r>
+            <a:endParaRPr lang="zh-CN" altLang="en-US" smtClean="0"/>
           </a:p>
           <a:p>
             <a:pPr lvl="4"/>
@@ -1607,7 +1592,6 @@
           <a:p>
             <a:fld id="{92F175D5-BB51-4950-90D9-A6D48679C7AB}" type="datetimeFigureOut">
               <a:rPr lang="zh-CN" altLang="en-US" smtClean="0"/>
-              <a:t>2019/12/25</a:t>
             </a:fld>
             <a:endParaRPr lang="zh-CN" altLang="en-US"/>
           </a:p>
@@ -1649,18 +1633,12 @@
           <a:p>
             <a:fld id="{E2F035BE-856B-460A-90B2-0D524670C825}" type="slidenum">
               <a:rPr lang="zh-CN" altLang="en-US" smtClean="0"/>
-              <a:t>‹#›</a:t>
             </a:fld>
             <a:endParaRPr lang="zh-CN" altLang="en-US"/>
           </a:p>
         </p:txBody>
       </p:sp>
     </p:spTree>
-    <p:extLst>
-      <p:ext uri="{BB962C8B-B14F-4D97-AF65-F5344CB8AC3E}">
-        <p14:creationId xmlns:p14="http://schemas.microsoft.com/office/powerpoint/2010/main" val="1593209495"/>
-      </p:ext>
-    </p:extLst>
   </p:cSld>
   <p:clrMapOvr>
     <a:masterClrMapping/>
@@ -1725,7 +1703,6 @@
           <a:p>
             <a:fld id="{92F175D5-BB51-4950-90D9-A6D48679C7AB}" type="datetimeFigureOut">
               <a:rPr lang="zh-CN" altLang="en-US" smtClean="0"/>
-              <a:t>2019/12/25</a:t>
             </a:fld>
             <a:endParaRPr lang="zh-CN" altLang="en-US"/>
           </a:p>
@@ -1767,18 +1744,12 @@
           <a:p>
             <a:fld id="{E2F035BE-856B-460A-90B2-0D524670C825}" type="slidenum">
               <a:rPr lang="zh-CN" altLang="en-US" smtClean="0"/>
-              <a:t>‹#›</a:t>
             </a:fld>
             <a:endParaRPr lang="zh-CN" altLang="en-US"/>
           </a:p>
         </p:txBody>
       </p:sp>
     </p:spTree>
-    <p:extLst>
-      <p:ext uri="{BB962C8B-B14F-4D97-AF65-F5344CB8AC3E}">
-        <p14:creationId xmlns:p14="http://schemas.microsoft.com/office/powerpoint/2010/main" val="708127257"/>
-      </p:ext>
-    </p:extLst>
   </p:cSld>
   <p:clrMapOvr>
     <a:masterClrMapping/>
@@ -1820,7 +1791,6 @@
           <a:p>
             <a:fld id="{92F175D5-BB51-4950-90D9-A6D48679C7AB}" type="datetimeFigureOut">
               <a:rPr lang="zh-CN" altLang="en-US" smtClean="0"/>
-              <a:t>2019/12/25</a:t>
             </a:fld>
             <a:endParaRPr lang="zh-CN" altLang="en-US"/>
           </a:p>
@@ -1862,18 +1832,12 @@
           <a:p>
             <a:fld id="{E2F035BE-856B-460A-90B2-0D524670C825}" type="slidenum">
               <a:rPr lang="zh-CN" altLang="en-US" smtClean="0"/>
-              <a:t>‹#›</a:t>
             </a:fld>
             <a:endParaRPr lang="zh-CN" altLang="en-US"/>
           </a:p>
         </p:txBody>
       </p:sp>
     </p:spTree>
-    <p:extLst>
-      <p:ext uri="{BB962C8B-B14F-4D97-AF65-F5344CB8AC3E}">
-        <p14:creationId xmlns:p14="http://schemas.microsoft.com/office/powerpoint/2010/main" val="912593522"/>
-      </p:ext>
-    </p:extLst>
   </p:cSld>
   <p:clrMapOvr>
     <a:masterClrMapping/>
@@ -1937,7 +1901,7 @@
             <a:spLocks noGrp="1"/>
           </p:cNvSpPr>
           <p:nvPr>
-            <p:ph idx="1"/>
+            <p:ph idx="1" hasCustomPrompt="1"/>
           </p:nvPr>
         </p:nvSpPr>
         <p:spPr>
@@ -1983,6 +1947,7 @@
               <a:rPr lang="zh-CN" altLang="en-US" smtClean="0"/>
               <a:t>编辑母版文本样式</a:t>
             </a:r>
+            <a:endParaRPr lang="zh-CN" altLang="en-US" smtClean="0"/>
           </a:p>
           <a:p>
             <a:pPr lvl="1"/>
@@ -1990,6 +1955,7 @@
               <a:rPr lang="zh-CN" altLang="en-US" smtClean="0"/>
               <a:t>第二级</a:t>
             </a:r>
+            <a:endParaRPr lang="zh-CN" altLang="en-US" smtClean="0"/>
           </a:p>
           <a:p>
             <a:pPr lvl="2"/>
@@ -1997,6 +1963,7 @@
               <a:rPr lang="zh-CN" altLang="en-US" smtClean="0"/>
               <a:t>第三级</a:t>
             </a:r>
+            <a:endParaRPr lang="zh-CN" altLang="en-US" smtClean="0"/>
           </a:p>
           <a:p>
             <a:pPr lvl="3"/>
@@ -2004,6 +1971,7 @@
               <a:rPr lang="zh-CN" altLang="en-US" smtClean="0"/>
               <a:t>第四级</a:t>
             </a:r>
+            <a:endParaRPr lang="zh-CN" altLang="en-US" smtClean="0"/>
           </a:p>
           <a:p>
             <a:pPr lvl="4"/>
@@ -2022,7 +1990,7 @@
             <a:spLocks noGrp="1"/>
           </p:cNvSpPr>
           <p:nvPr>
-            <p:ph type="body" sz="half" idx="2"/>
+            <p:ph type="body" sz="half" idx="2" hasCustomPrompt="1"/>
           </p:nvPr>
         </p:nvSpPr>
         <p:spPr>
@@ -2077,6 +2045,7 @@
               <a:rPr lang="zh-CN" altLang="en-US" smtClean="0"/>
               <a:t>编辑母版文本样式</a:t>
             </a:r>
+            <a:endParaRPr lang="zh-CN" altLang="en-US" smtClean="0"/>
           </a:p>
         </p:txBody>
       </p:sp>
@@ -2097,7 +2066,6 @@
           <a:p>
             <a:fld id="{92F175D5-BB51-4950-90D9-A6D48679C7AB}" type="datetimeFigureOut">
               <a:rPr lang="zh-CN" altLang="en-US" smtClean="0"/>
-              <a:t>2019/12/25</a:t>
             </a:fld>
             <a:endParaRPr lang="zh-CN" altLang="en-US"/>
           </a:p>
@@ -2139,18 +2107,12 @@
           <a:p>
             <a:fld id="{E2F035BE-856B-460A-90B2-0D524670C825}" type="slidenum">
               <a:rPr lang="zh-CN" altLang="en-US" smtClean="0"/>
-              <a:t>‹#›</a:t>
             </a:fld>
             <a:endParaRPr lang="zh-CN" altLang="en-US"/>
           </a:p>
         </p:txBody>
       </p:sp>
     </p:spTree>
-    <p:extLst>
-      <p:ext uri="{BB962C8B-B14F-4D97-AF65-F5344CB8AC3E}">
-        <p14:creationId xmlns:p14="http://schemas.microsoft.com/office/powerpoint/2010/main" val="1086967911"/>
-      </p:ext>
-    </p:extLst>
   </p:cSld>
   <p:clrMapOvr>
     <a:masterClrMapping/>
@@ -2279,7 +2241,7 @@
             <a:spLocks noGrp="1"/>
           </p:cNvSpPr>
           <p:nvPr>
-            <p:ph type="body" sz="half" idx="2"/>
+            <p:ph type="body" sz="half" idx="2" hasCustomPrompt="1"/>
           </p:nvPr>
         </p:nvSpPr>
         <p:spPr>
@@ -2334,6 +2296,7 @@
               <a:rPr lang="zh-CN" altLang="en-US" smtClean="0"/>
               <a:t>编辑母版文本样式</a:t>
             </a:r>
+            <a:endParaRPr lang="zh-CN" altLang="en-US" smtClean="0"/>
           </a:p>
         </p:txBody>
       </p:sp>
@@ -2354,7 +2317,6 @@
           <a:p>
             <a:fld id="{92F175D5-BB51-4950-90D9-A6D48679C7AB}" type="datetimeFigureOut">
               <a:rPr lang="zh-CN" altLang="en-US" smtClean="0"/>
-              <a:t>2019/12/25</a:t>
             </a:fld>
             <a:endParaRPr lang="zh-CN" altLang="en-US"/>
           </a:p>
@@ -2396,18 +2358,12 @@
           <a:p>
             <a:fld id="{E2F035BE-856B-460A-90B2-0D524670C825}" type="slidenum">
               <a:rPr lang="zh-CN" altLang="en-US" smtClean="0"/>
-              <a:t>‹#›</a:t>
             </a:fld>
             <a:endParaRPr lang="zh-CN" altLang="en-US"/>
           </a:p>
         </p:txBody>
       </p:sp>
     </p:spTree>
-    <p:extLst>
-      <p:ext uri="{BB962C8B-B14F-4D97-AF65-F5344CB8AC3E}">
-        <p14:creationId xmlns:p14="http://schemas.microsoft.com/office/powerpoint/2010/main" val="1451874989"/>
-      </p:ext>
-    </p:extLst>
   </p:cSld>
   <p:clrMapOvr>
     <a:masterClrMapping/>
@@ -2500,6 +2456,7 @@
               <a:rPr lang="zh-CN" altLang="en-US" smtClean="0"/>
               <a:t>编辑母版文本样式</a:t>
             </a:r>
+            <a:endParaRPr lang="zh-CN" altLang="en-US" smtClean="0"/>
           </a:p>
           <a:p>
             <a:pPr lvl="1"/>
@@ -2507,6 +2464,7 @@
               <a:rPr lang="zh-CN" altLang="en-US" smtClean="0"/>
               <a:t>第二级</a:t>
             </a:r>
+            <a:endParaRPr lang="zh-CN" altLang="en-US" smtClean="0"/>
           </a:p>
           <a:p>
             <a:pPr lvl="2"/>
@@ -2514,6 +2472,7 @@
               <a:rPr lang="zh-CN" altLang="en-US" smtClean="0"/>
               <a:t>第三级</a:t>
             </a:r>
+            <a:endParaRPr lang="zh-CN" altLang="en-US" smtClean="0"/>
           </a:p>
           <a:p>
             <a:pPr lvl="3"/>
@@ -2521,6 +2480,7 @@
               <a:rPr lang="zh-CN" altLang="en-US" smtClean="0"/>
               <a:t>第四级</a:t>
             </a:r>
+            <a:endParaRPr lang="zh-CN" altLang="en-US" smtClean="0"/>
           </a:p>
           <a:p>
             <a:pPr lvl="4"/>
@@ -2567,7 +2527,6 @@
           <a:p>
             <a:fld id="{92F175D5-BB51-4950-90D9-A6D48679C7AB}" type="datetimeFigureOut">
               <a:rPr lang="zh-CN" altLang="en-US" smtClean="0"/>
-              <a:t>2019/12/25</a:t>
             </a:fld>
             <a:endParaRPr lang="zh-CN" altLang="en-US"/>
           </a:p>
@@ -2645,32 +2604,26 @@
           <a:p>
             <a:fld id="{E2F035BE-856B-460A-90B2-0D524670C825}" type="slidenum">
               <a:rPr lang="zh-CN" altLang="en-US" smtClean="0"/>
-              <a:t>‹#›</a:t>
             </a:fld>
             <a:endParaRPr lang="zh-CN" altLang="en-US"/>
           </a:p>
         </p:txBody>
       </p:sp>
     </p:spTree>
-    <p:extLst>
-      <p:ext uri="{BB962C8B-B14F-4D97-AF65-F5344CB8AC3E}">
-        <p14:creationId xmlns:p14="http://schemas.microsoft.com/office/powerpoint/2010/main" val="347798144"/>
-      </p:ext>
-    </p:extLst>
   </p:cSld>
   <p:clrMap bg1="lt1" tx1="dk1" bg2="lt2" tx2="dk2" accent1="accent1" accent2="accent2" accent3="accent3" accent4="accent4" accent5="accent5" accent6="accent6" hlink="hlink" folHlink="folHlink"/>
   <p:sldLayoutIdLst>
-    <p:sldLayoutId id="2147483661" r:id="rId1"/>
-    <p:sldLayoutId id="2147483662" r:id="rId2"/>
-    <p:sldLayoutId id="2147483663" r:id="rId3"/>
-    <p:sldLayoutId id="2147483664" r:id="rId4"/>
-    <p:sldLayoutId id="2147483665" r:id="rId5"/>
-    <p:sldLayoutId id="2147483666" r:id="rId6"/>
-    <p:sldLayoutId id="2147483667" r:id="rId7"/>
-    <p:sldLayoutId id="2147483668" r:id="rId8"/>
-    <p:sldLayoutId id="2147483669" r:id="rId9"/>
-    <p:sldLayoutId id="2147483670" r:id="rId10"/>
-    <p:sldLayoutId id="2147483671" r:id="rId11"/>
+    <p:sldLayoutId id="2147483649" r:id="rId1"/>
+    <p:sldLayoutId id="2147483650" r:id="rId2"/>
+    <p:sldLayoutId id="2147483651" r:id="rId3"/>
+    <p:sldLayoutId id="2147483652" r:id="rId4"/>
+    <p:sldLayoutId id="2147483653" r:id="rId5"/>
+    <p:sldLayoutId id="2147483654" r:id="rId6"/>
+    <p:sldLayoutId id="2147483655" r:id="rId7"/>
+    <p:sldLayoutId id="2147483656" r:id="rId8"/>
+    <p:sldLayoutId id="2147483657" r:id="rId9"/>
+    <p:sldLayoutId id="2147483658" r:id="rId10"/>
+    <p:sldLayoutId id="2147483659" r:id="rId11"/>
   </p:sldLayoutIdLst>
   <p:txStyles>
     <p:titleStyle>
@@ -2700,7 +2653,7 @@
         <a:spcBef>
           <a:spcPts val="750"/>
         </a:spcBef>
-        <a:buFont typeface="Arial" panose="020B0604020202020204" pitchFamily="34" charset="0"/>
+        <a:buFont typeface="Arial" panose="02080604020202020204" pitchFamily="34" charset="0"/>
         <a:buChar char="•"/>
         <a:defRPr sz="2100" kern="1200">
           <a:solidFill>
@@ -2718,7 +2671,7 @@
         <a:spcBef>
           <a:spcPts val="375"/>
         </a:spcBef>
-        <a:buFont typeface="Arial" panose="020B0604020202020204" pitchFamily="34" charset="0"/>
+        <a:buFont typeface="Arial" panose="02080604020202020204" pitchFamily="34" charset="0"/>
         <a:buChar char="•"/>
         <a:defRPr sz="1800" kern="1200">
           <a:solidFill>
@@ -2736,7 +2689,7 @@
         <a:spcBef>
           <a:spcPts val="375"/>
         </a:spcBef>
-        <a:buFont typeface="Arial" panose="020B0604020202020204" pitchFamily="34" charset="0"/>
+        <a:buFont typeface="Arial" panose="02080604020202020204" pitchFamily="34" charset="0"/>
         <a:buChar char="•"/>
         <a:defRPr sz="1500" kern="1200">
           <a:solidFill>
@@ -2754,7 +2707,7 @@
         <a:spcBef>
           <a:spcPts val="375"/>
         </a:spcBef>
-        <a:buFont typeface="Arial" panose="020B0604020202020204" pitchFamily="34" charset="0"/>
+        <a:buFont typeface="Arial" panose="02080604020202020204" pitchFamily="34" charset="0"/>
         <a:buChar char="•"/>
         <a:defRPr sz="1350" kern="1200">
           <a:solidFill>
@@ -2772,7 +2725,7 @@
         <a:spcBef>
           <a:spcPts val="375"/>
         </a:spcBef>
-        <a:buFont typeface="Arial" panose="020B0604020202020204" pitchFamily="34" charset="0"/>
+        <a:buFont typeface="Arial" panose="02080604020202020204" pitchFamily="34" charset="0"/>
         <a:buChar char="•"/>
         <a:defRPr sz="1350" kern="1200">
           <a:solidFill>
@@ -2790,7 +2743,7 @@
         <a:spcBef>
           <a:spcPts val="375"/>
         </a:spcBef>
-        <a:buFont typeface="Arial" panose="020B0604020202020204" pitchFamily="34" charset="0"/>
+        <a:buFont typeface="Arial" panose="02080604020202020204" pitchFamily="34" charset="0"/>
         <a:buChar char="•"/>
         <a:defRPr sz="1350" kern="1200">
           <a:solidFill>
@@ -2808,7 +2761,7 @@
         <a:spcBef>
           <a:spcPts val="375"/>
         </a:spcBef>
-        <a:buFont typeface="Arial" panose="020B0604020202020204" pitchFamily="34" charset="0"/>
+        <a:buFont typeface="Arial" panose="02080604020202020204" pitchFamily="34" charset="0"/>
         <a:buChar char="•"/>
         <a:defRPr sz="1350" kern="1200">
           <a:solidFill>
@@ -2826,7 +2779,7 @@
         <a:spcBef>
           <a:spcPts val="375"/>
         </a:spcBef>
-        <a:buFont typeface="Arial" panose="020B0604020202020204" pitchFamily="34" charset="0"/>
+        <a:buFont typeface="Arial" panose="02080604020202020204" pitchFamily="34" charset="0"/>
         <a:buChar char="•"/>
         <a:defRPr sz="1350" kern="1200">
           <a:solidFill>
@@ -2844,7 +2797,7 @@
         <a:spcBef>
           <a:spcPts val="375"/>
         </a:spcBef>
-        <a:buFont typeface="Arial" panose="020B0604020202020204" pitchFamily="34" charset="0"/>
+        <a:buFont typeface="Arial" panose="02080604020202020204" pitchFamily="34" charset="0"/>
         <a:buChar char="•"/>
         <a:defRPr sz="1350" kern="1200">
           <a:solidFill>
@@ -3102,7 +3055,7 @@
             <a:lstStyle/>
             <a:p>
               <a:pPr algn="ctr"/>
-              <a:endParaRPr lang="zh-CN" altLang="en-US" sz="1013"/>
+              <a:endParaRPr lang="zh-CN" altLang="en-US" sz="1015"/>
             </a:p>
           </p:txBody>
         </p:sp>
@@ -3207,7 +3160,7 @@
             <a:lstStyle/>
             <a:p>
               <a:pPr algn="ctr"/>
-              <a:endParaRPr lang="zh-CN" altLang="en-US" sz="1013"/>
+              <a:endParaRPr lang="zh-CN" altLang="en-US" sz="1015"/>
             </a:p>
           </p:txBody>
         </p:sp>
@@ -3432,7 +3385,7 @@
             <a:lstStyle/>
             <a:p>
               <a:pPr algn="ctr"/>
-              <a:endParaRPr lang="zh-CN" altLang="en-US" sz="1013"/>
+              <a:endParaRPr lang="zh-CN" altLang="en-US" sz="1015"/>
             </a:p>
           </p:txBody>
         </p:sp>
@@ -3518,7 +3471,7 @@
             <a:lstStyle/>
             <a:p>
               <a:pPr algn="ctr"/>
-              <a:endParaRPr lang="zh-CN" altLang="en-US" sz="1013"/>
+              <a:endParaRPr lang="zh-CN" altLang="en-US" sz="1015"/>
             </a:p>
           </p:txBody>
         </p:sp>
@@ -3546,7 +3499,6 @@
                 </a:bodyPr>
                 <a:lstStyle/>
                 <a:p>
-                  <a:pPr/>
                   <a14:m>
                     <m:oMathPara xmlns:m="http://schemas.openxmlformats.org/officeDocument/2006/math">
                       <m:oMathParaPr>
@@ -3554,28 +3506,28 @@
                       </m:oMathParaPr>
                       <m:oMath xmlns:m="http://schemas.openxmlformats.org/officeDocument/2006/math">
                         <m:r>
-                          <a:rPr lang="en-US" altLang="zh-CN" sz="1013" i="1">
+                          <a:rPr lang="en-US" altLang="zh-CN" sz="1015" i="1">
                             <a:latin typeface="Cambria Math" panose="02040503050406030204" pitchFamily="18" charset="0"/>
                             <a:cs typeface="Times New Roman" panose="02020603050405020304" pitchFamily="18" charset="0"/>
                           </a:rPr>
                           <m:t>𝑠</m:t>
                         </m:r>
                         <m:r>
-                          <a:rPr lang="en-US" altLang="zh-CN" sz="1013" i="1">
+                          <a:rPr lang="en-US" altLang="zh-CN" sz="1015" i="1">
                             <a:latin typeface="Cambria Math" panose="02040503050406030204" pitchFamily="18" charset="0"/>
                             <a:cs typeface="Times New Roman" panose="02020603050405020304" pitchFamily="18" charset="0"/>
                           </a:rPr>
                           <m:t>(</m:t>
                         </m:r>
                         <m:r>
-                          <a:rPr lang="en-US" altLang="zh-CN" sz="1013" i="1">
+                          <a:rPr lang="en-US" altLang="zh-CN" sz="1015" i="1">
                             <a:latin typeface="Cambria Math" panose="02040503050406030204" pitchFamily="18" charset="0"/>
                             <a:cs typeface="Times New Roman" panose="02020603050405020304" pitchFamily="18" charset="0"/>
                           </a:rPr>
                           <m:t>𝑡</m:t>
                         </m:r>
                         <m:r>
-                          <a:rPr lang="en-US" altLang="zh-CN" sz="1013" i="1">
+                          <a:rPr lang="en-US" altLang="zh-CN" sz="1015" i="1">
                             <a:latin typeface="Cambria Math" panose="02040503050406030204" pitchFamily="18" charset="0"/>
                             <a:cs typeface="Times New Roman" panose="02020603050405020304" pitchFamily="18" charset="0"/>
                           </a:rPr>
@@ -3584,7 +3536,7 @@
                       </m:oMath>
                     </m:oMathPara>
                   </a14:m>
-                  <a:endParaRPr lang="zh-CN" altLang="en-US" sz="1013" dirty="0">
+                  <a:endParaRPr lang="zh-CN" altLang="en-US" sz="1015" dirty="0">
                     <a:latin typeface="Times New Roman" panose="02020603050405020304" pitchFamily="18" charset="0"/>
                     <a:cs typeface="Times New Roman" panose="02020603050405020304" pitchFamily="18" charset="0"/>
                   </a:endParaRPr>
@@ -3609,11 +3561,8 @@
                 <a:prstGeom prst="rect">
                   <a:avLst/>
                 </a:prstGeom>
-                <a:blipFill>
-                  <a:blip r:embed="rId2"/>
-                  <a:stretch>
-                    <a:fillRect b="-4878"/>
-                  </a:stretch>
+                <a:blipFill rotWithShape="1">
+                  <a:blip r:embed="rId1"/>
                 </a:blipFill>
               </p:spPr>
               <p:txBody>
@@ -3621,7 +3570,7 @@
                 <a:lstStyle/>
                 <a:p>
                   <a:r>
-                    <a:rPr lang="zh-CN" altLang="en-US">
+                    <a:rPr lang="en-US" altLang="en-US">
                       <a:noFill/>
                     </a:rPr>
                     <a:t> </a:t>
@@ -3654,20 +3603,13 @@
             <a:lstStyle/>
             <a:p>
               <a:r>
-                <a:rPr lang="en-US" altLang="zh-CN" sz="1013" dirty="0">
+                <a:rPr lang="en-US" altLang="zh-CN" sz="1015" dirty="0">
                   <a:latin typeface="Times New Roman" panose="02020603050405020304" pitchFamily="18" charset="0"/>
                   <a:cs typeface="Times New Roman" panose="02020603050405020304" pitchFamily="18" charset="0"/>
                 </a:rPr>
-                <a:t>r</a:t>
+                <a:t>reference line</a:t>
               </a:r>
-              <a:r>
-                <a:rPr lang="en-US" altLang="zh-CN" sz="1013" dirty="0">
-                  <a:latin typeface="Times New Roman" panose="02020603050405020304" pitchFamily="18" charset="0"/>
-                  <a:cs typeface="Times New Roman" panose="02020603050405020304" pitchFamily="18" charset="0"/>
-                </a:rPr>
-                <a:t>eference line</a:t>
-              </a:r>
-              <a:endParaRPr lang="zh-CN" altLang="en-US" sz="1013" dirty="0">
+              <a:endParaRPr lang="zh-CN" altLang="en-US" sz="1015" dirty="0">
                 <a:latin typeface="Times New Roman" panose="02020603050405020304" pitchFamily="18" charset="0"/>
                 <a:cs typeface="Times New Roman" panose="02020603050405020304" pitchFamily="18" charset="0"/>
               </a:endParaRPr>
@@ -3716,7 +3658,7 @@
             <a:lstStyle/>
             <a:p>
               <a:pPr algn="ctr"/>
-              <a:endParaRPr lang="zh-CN" altLang="en-US" sz="1013"/>
+              <a:endParaRPr lang="zh-CN" altLang="en-US" sz="1015"/>
             </a:p>
           </p:txBody>
         </p:sp>
@@ -3744,7 +3686,6 @@
                 </a:bodyPr>
                 <a:lstStyle/>
                 <a:p>
-                  <a:pPr/>
                   <a14:m>
                     <m:oMathPara xmlns:m="http://schemas.openxmlformats.org/officeDocument/2006/math">
                       <m:oMathParaPr>
@@ -3754,7 +3695,7 @@
                         <m:sSub>
                           <m:sSubPr>
                             <m:ctrlPr>
-                              <a:rPr lang="en-US" altLang="zh-CN" sz="1013" b="1" i="1">
+                              <a:rPr lang="en-US" altLang="zh-CN" sz="1015" b="1" i="1">
                                 <a:latin typeface="Cambria Math" panose="02040503050406030204" pitchFamily="18" charset="0"/>
                                 <a:cs typeface="Times New Roman" panose="02020603050405020304" pitchFamily="18" charset="0"/>
                               </a:rPr>
@@ -3762,7 +3703,7 @@
                           </m:sSubPr>
                           <m:e>
                             <m:r>
-                              <a:rPr lang="en-US" altLang="zh-CN" sz="1013" b="1" i="1">
+                              <a:rPr lang="en-US" altLang="zh-CN" sz="1015" b="1" i="1">
                                 <a:latin typeface="Cambria Math" panose="02040503050406030204" pitchFamily="18" charset="0"/>
                                 <a:cs typeface="Times New Roman" panose="02020603050405020304" pitchFamily="18" charset="0"/>
                               </a:rPr>
@@ -3771,7 +3712,7 @@
                           </m:e>
                           <m:sub>
                             <m:r>
-                              <a:rPr lang="en-US" altLang="zh-CN" sz="1013" b="1" i="1">
+                              <a:rPr lang="en-US" altLang="zh-CN" sz="1015" b="1" i="1">
                                 <a:latin typeface="Cambria Math" panose="02040503050406030204" pitchFamily="18" charset="0"/>
                                 <a:cs typeface="Times New Roman" panose="02020603050405020304" pitchFamily="18" charset="0"/>
                               </a:rPr>
@@ -3782,7 +3723,7 @@
                       </m:oMath>
                     </m:oMathPara>
                   </a14:m>
-                  <a:endParaRPr lang="zh-CN" altLang="en-US" sz="1013" b="1" dirty="0">
+                  <a:endParaRPr lang="zh-CN" altLang="en-US" sz="1015" b="1" dirty="0">
                     <a:latin typeface="Times New Roman" panose="02020603050405020304" pitchFamily="18" charset="0"/>
                     <a:cs typeface="Times New Roman" panose="02020603050405020304" pitchFamily="18" charset="0"/>
                   </a:endParaRPr>
@@ -3807,11 +3748,8 @@
                 <a:prstGeom prst="rect">
                   <a:avLst/>
                 </a:prstGeom>
-                <a:blipFill>
-                  <a:blip r:embed="rId3"/>
-                  <a:stretch>
-                    <a:fillRect/>
-                  </a:stretch>
+                <a:blipFill rotWithShape="1">
+                  <a:blip r:embed="rId2"/>
                 </a:blipFill>
               </p:spPr>
               <p:txBody>
@@ -3819,7 +3757,7 @@
                 <a:lstStyle/>
                 <a:p>
                   <a:r>
-                    <a:rPr lang="zh-CN" altLang="en-US">
+                    <a:rPr lang="en-US" altLang="en-US">
                       <a:noFill/>
                     </a:rPr>
                     <a:t> </a:t>
@@ -3853,7 +3791,6 @@
                 </a:bodyPr>
                 <a:lstStyle/>
                 <a:p>
-                  <a:pPr/>
                   <a14:m>
                     <m:oMathPara xmlns:m="http://schemas.openxmlformats.org/officeDocument/2006/math">
                       <m:oMathParaPr>
@@ -3863,7 +3800,7 @@
                         <m:sSub>
                           <m:sSubPr>
                             <m:ctrlPr>
-                              <a:rPr lang="en-US" altLang="zh-CN" sz="1013" b="1" i="1">
+                              <a:rPr lang="en-US" altLang="zh-CN" sz="1015" b="1" i="1">
                                 <a:latin typeface="Cambria Math" panose="02040503050406030204" pitchFamily="18" charset="0"/>
                                 <a:cs typeface="Times New Roman" panose="02020603050405020304" pitchFamily="18" charset="0"/>
                               </a:rPr>
@@ -3871,7 +3808,7 @@
                           </m:sSubPr>
                           <m:e>
                             <m:r>
-                              <a:rPr lang="en-US" altLang="zh-CN" sz="1013" b="1" i="1">
+                              <a:rPr lang="en-US" altLang="zh-CN" sz="1015" b="1" i="1">
                                 <a:latin typeface="Cambria Math" panose="02040503050406030204" pitchFamily="18" charset="0"/>
                                 <a:cs typeface="Times New Roman" panose="02020603050405020304" pitchFamily="18" charset="0"/>
                               </a:rPr>
@@ -3880,7 +3817,7 @@
                           </m:e>
                           <m:sub>
                             <m:r>
-                              <a:rPr lang="en-US" altLang="zh-CN" sz="1013" b="1" i="1">
+                              <a:rPr lang="en-US" altLang="zh-CN" sz="1015" b="1" i="1">
                                 <a:latin typeface="Cambria Math" panose="02040503050406030204" pitchFamily="18" charset="0"/>
                                 <a:cs typeface="Times New Roman" panose="02020603050405020304" pitchFamily="18" charset="0"/>
                               </a:rPr>
@@ -3891,7 +3828,7 @@
                       </m:oMath>
                     </m:oMathPara>
                   </a14:m>
-                  <a:endParaRPr lang="zh-CN" altLang="en-US" sz="1013" b="1" dirty="0">
+                  <a:endParaRPr lang="zh-CN" altLang="en-US" sz="1015" b="1" dirty="0">
                     <a:latin typeface="Times New Roman" panose="02020603050405020304" pitchFamily="18" charset="0"/>
                     <a:cs typeface="Times New Roman" panose="02020603050405020304" pitchFamily="18" charset="0"/>
                   </a:endParaRPr>
@@ -3916,11 +3853,8 @@
                 <a:prstGeom prst="rect">
                   <a:avLst/>
                 </a:prstGeom>
-                <a:blipFill>
-                  <a:blip r:embed="rId4"/>
-                  <a:stretch>
-                    <a:fillRect/>
-                  </a:stretch>
+                <a:blipFill rotWithShape="1">
+                  <a:blip r:embed="rId3"/>
                 </a:blipFill>
               </p:spPr>
               <p:txBody>
@@ -3928,7 +3862,7 @@
                 <a:lstStyle/>
                 <a:p>
                   <a:r>
-                    <a:rPr lang="zh-CN" altLang="en-US">
+                    <a:rPr lang="en-US" altLang="en-US">
                       <a:noFill/>
                     </a:rPr>
                     <a:t> </a:t>
@@ -3962,7 +3896,6 @@
                 </a:bodyPr>
                 <a:lstStyle/>
                 <a:p>
-                  <a:pPr/>
                   <a14:m>
                     <m:oMathPara xmlns:m="http://schemas.openxmlformats.org/officeDocument/2006/math">
                       <m:oMathParaPr>
@@ -3970,28 +3903,28 @@
                       </m:oMathParaPr>
                       <m:oMath xmlns:m="http://schemas.openxmlformats.org/officeDocument/2006/math">
                         <m:r>
-                          <a:rPr lang="en-US" altLang="zh-CN" sz="1013" i="1">
+                          <a:rPr lang="en-US" altLang="zh-CN" sz="1015" i="1">
                             <a:latin typeface="Cambria Math" panose="02040503050406030204" pitchFamily="18" charset="0"/>
                             <a:cs typeface="Times New Roman" panose="02020603050405020304" pitchFamily="18" charset="0"/>
                           </a:rPr>
                           <m:t>𝑑</m:t>
                         </m:r>
                         <m:r>
-                          <a:rPr lang="en-US" altLang="zh-CN" sz="1013" i="1">
+                          <a:rPr lang="en-US" altLang="zh-CN" sz="1015" i="1">
                             <a:latin typeface="Cambria Math" panose="02040503050406030204" pitchFamily="18" charset="0"/>
                             <a:cs typeface="Times New Roman" panose="02020603050405020304" pitchFamily="18" charset="0"/>
                           </a:rPr>
                           <m:t>(</m:t>
                         </m:r>
                         <m:r>
-                          <a:rPr lang="en-US" altLang="zh-CN" sz="1013" i="1">
+                          <a:rPr lang="en-US" altLang="zh-CN" sz="1015" i="1">
                             <a:latin typeface="Cambria Math" panose="02040503050406030204" pitchFamily="18" charset="0"/>
                             <a:cs typeface="Times New Roman" panose="02020603050405020304" pitchFamily="18" charset="0"/>
                           </a:rPr>
                           <m:t>𝑡</m:t>
                         </m:r>
                         <m:r>
-                          <a:rPr lang="en-US" altLang="zh-CN" sz="1013" i="1">
+                          <a:rPr lang="en-US" altLang="zh-CN" sz="1015" i="1">
                             <a:latin typeface="Cambria Math" panose="02040503050406030204" pitchFamily="18" charset="0"/>
                             <a:cs typeface="Times New Roman" panose="02020603050405020304" pitchFamily="18" charset="0"/>
                           </a:rPr>
@@ -4000,7 +3933,7 @@
                       </m:oMath>
                     </m:oMathPara>
                   </a14:m>
-                  <a:endParaRPr lang="zh-CN" altLang="en-US" sz="1013" dirty="0">
+                  <a:endParaRPr lang="zh-CN" altLang="en-US" sz="1015" dirty="0">
                     <a:latin typeface="Times New Roman" panose="02020603050405020304" pitchFamily="18" charset="0"/>
                     <a:cs typeface="Times New Roman" panose="02020603050405020304" pitchFamily="18" charset="0"/>
                   </a:endParaRPr>
@@ -4025,11 +3958,8 @@
                 <a:prstGeom prst="rect">
                   <a:avLst/>
                 </a:prstGeom>
-                <a:blipFill>
-                  <a:blip r:embed="rId5"/>
-                  <a:stretch>
-                    <a:fillRect b="-7500"/>
-                  </a:stretch>
+                <a:blipFill rotWithShape="1">
+                  <a:blip r:embed="rId4"/>
                 </a:blipFill>
               </p:spPr>
               <p:txBody>
@@ -4037,7 +3967,7 @@
                 <a:lstStyle/>
                 <a:p>
                   <a:r>
-                    <a:rPr lang="zh-CN" altLang="en-US">
+                    <a:rPr lang="en-US" altLang="en-US">
                       <a:noFill/>
                     </a:rPr>
                     <a:t> </a:t>
@@ -4070,13 +4000,13 @@
             <a:lstStyle/>
             <a:p>
               <a:r>
-                <a:rPr lang="en-US" altLang="zh-CN" sz="1013" dirty="0">
+                <a:rPr lang="en-US" altLang="zh-CN" sz="1015" dirty="0">
                   <a:latin typeface="Times New Roman" panose="02020603050405020304" pitchFamily="18" charset="0"/>
                   <a:cs typeface="Times New Roman" panose="02020603050405020304" pitchFamily="18" charset="0"/>
                 </a:rPr>
                 <a:t>trajectory</a:t>
               </a:r>
-              <a:endParaRPr lang="zh-CN" altLang="en-US" sz="1013" dirty="0">
+              <a:endParaRPr lang="zh-CN" altLang="en-US" sz="1015" dirty="0">
                 <a:latin typeface="Times New Roman" panose="02020603050405020304" pitchFamily="18" charset="0"/>
                 <a:cs typeface="Times New Roman" panose="02020603050405020304" pitchFamily="18" charset="0"/>
               </a:endParaRPr>
@@ -4129,7 +4059,7 @@
             <a:lstStyle/>
             <a:p>
               <a:pPr algn="ctr"/>
-              <a:endParaRPr lang="zh-CN" altLang="en-US" sz="1013"/>
+              <a:endParaRPr lang="zh-CN" altLang="en-US" sz="1015"/>
             </a:p>
           </p:txBody>
         </p:sp>
@@ -4179,7 +4109,7 @@
             <a:lstStyle/>
             <a:p>
               <a:pPr algn="ctr"/>
-              <a:endParaRPr lang="zh-CN" altLang="en-US" sz="1013"/>
+              <a:endParaRPr lang="zh-CN" altLang="en-US" sz="1015"/>
             </a:p>
           </p:txBody>
         </p:sp>
@@ -4207,7 +4137,6 @@
                 </a:bodyPr>
                 <a:lstStyle/>
                 <a:p>
-                  <a:pPr/>
                   <a14:m>
                     <m:oMathPara xmlns:m="http://schemas.openxmlformats.org/officeDocument/2006/math">
                       <m:oMathParaPr>
@@ -4215,42 +4144,42 @@
                       </m:oMathParaPr>
                       <m:oMath xmlns:m="http://schemas.openxmlformats.org/officeDocument/2006/math">
                         <m:r>
-                          <a:rPr lang="en-US" altLang="zh-CN" sz="1013" b="1" i="1">
+                          <a:rPr lang="en-US" altLang="zh-CN" sz="1015" b="1" i="1">
                             <a:latin typeface="Cambria Math" panose="02040503050406030204" pitchFamily="18" charset="0"/>
                             <a:cs typeface="Times New Roman" panose="02020603050405020304" pitchFamily="18" charset="0"/>
                           </a:rPr>
                           <m:t>𝒙</m:t>
                         </m:r>
                         <m:r>
-                          <a:rPr lang="en-US" altLang="zh-CN" sz="1013" i="1">
+                          <a:rPr lang="en-US" altLang="zh-CN" sz="1015" i="1">
                             <a:latin typeface="Cambria Math" panose="02040503050406030204" pitchFamily="18" charset="0"/>
                             <a:cs typeface="Times New Roman" panose="02020603050405020304" pitchFamily="18" charset="0"/>
                           </a:rPr>
                           <m:t>(</m:t>
                         </m:r>
                         <m:r>
-                          <a:rPr lang="en-US" altLang="zh-CN" sz="1013" i="1">
+                          <a:rPr lang="en-US" altLang="zh-CN" sz="1015" i="1">
                             <a:latin typeface="Cambria Math" panose="02040503050406030204" pitchFamily="18" charset="0"/>
                             <a:cs typeface="Times New Roman" panose="02020603050405020304" pitchFamily="18" charset="0"/>
                           </a:rPr>
                           <m:t>𝑠</m:t>
                         </m:r>
                         <m:r>
-                          <a:rPr lang="en-US" altLang="zh-CN" sz="1013" i="1">
+                          <a:rPr lang="en-US" altLang="zh-CN" sz="1015" i="1">
                             <a:latin typeface="Cambria Math" panose="02040503050406030204" pitchFamily="18" charset="0"/>
                             <a:cs typeface="Times New Roman" panose="02020603050405020304" pitchFamily="18" charset="0"/>
                           </a:rPr>
                           <m:t>,</m:t>
                         </m:r>
                         <m:r>
-                          <a:rPr lang="en-US" altLang="zh-CN" sz="1013" i="1">
+                          <a:rPr lang="en-US" altLang="zh-CN" sz="1015" i="1">
                             <a:latin typeface="Cambria Math" panose="02040503050406030204" pitchFamily="18" charset="0"/>
                             <a:cs typeface="Times New Roman" panose="02020603050405020304" pitchFamily="18" charset="0"/>
                           </a:rPr>
                           <m:t>𝑑</m:t>
                         </m:r>
                         <m:r>
-                          <a:rPr lang="en-US" altLang="zh-CN" sz="1013" i="1">
+                          <a:rPr lang="en-US" altLang="zh-CN" sz="1015" i="1">
                             <a:latin typeface="Cambria Math" panose="02040503050406030204" pitchFamily="18" charset="0"/>
                             <a:cs typeface="Times New Roman" panose="02020603050405020304" pitchFamily="18" charset="0"/>
                           </a:rPr>
@@ -4259,7 +4188,7 @@
                       </m:oMath>
                     </m:oMathPara>
                   </a14:m>
-                  <a:endParaRPr lang="zh-CN" altLang="en-US" sz="1013" dirty="0">
+                  <a:endParaRPr lang="zh-CN" altLang="en-US" sz="1015" dirty="0">
                     <a:latin typeface="Times New Roman" panose="02020603050405020304" pitchFamily="18" charset="0"/>
                     <a:cs typeface="Times New Roman" panose="02020603050405020304" pitchFamily="18" charset="0"/>
                   </a:endParaRPr>
@@ -4284,11 +4213,8 @@
                 <a:prstGeom prst="rect">
                   <a:avLst/>
                 </a:prstGeom>
-                <a:blipFill>
-                  <a:blip r:embed="rId6"/>
-                  <a:stretch>
-                    <a:fillRect b="-7500"/>
-                  </a:stretch>
+                <a:blipFill rotWithShape="1">
+                  <a:blip r:embed="rId5"/>
                 </a:blipFill>
               </p:spPr>
               <p:txBody>
@@ -4296,7 +4222,7 @@
                 <a:lstStyle/>
                 <a:p>
                   <a:r>
-                    <a:rPr lang="zh-CN" altLang="en-US">
+                    <a:rPr lang="en-US" altLang="en-US">
                       <a:noFill/>
                     </a:rPr>
                     <a:t> </a:t>
@@ -4330,7 +4256,6 @@
                 </a:bodyPr>
                 <a:lstStyle/>
                 <a:p>
-                  <a:pPr/>
                   <a14:m>
                     <m:oMathPara xmlns:m="http://schemas.openxmlformats.org/officeDocument/2006/math">
                       <m:oMathParaPr>
@@ -4340,7 +4265,7 @@
                         <m:sSub>
                           <m:sSubPr>
                             <m:ctrlPr>
-                              <a:rPr lang="en-US" altLang="zh-CN" sz="1013" b="1" i="1">
+                              <a:rPr lang="en-US" altLang="zh-CN" sz="1015" b="1" i="1">
                                 <a:latin typeface="Cambria Math" panose="02040503050406030204" pitchFamily="18" charset="0"/>
                                 <a:cs typeface="Times New Roman" panose="02020603050405020304" pitchFamily="18" charset="0"/>
                               </a:rPr>
@@ -4348,7 +4273,7 @@
                           </m:sSubPr>
                           <m:e>
                             <m:r>
-                              <a:rPr lang="en-US" altLang="zh-CN" sz="1013" b="1" i="1">
+                              <a:rPr lang="en-US" altLang="zh-CN" sz="1015" b="1" i="1">
                                 <a:latin typeface="Cambria Math" panose="02040503050406030204" pitchFamily="18" charset="0"/>
                                 <a:cs typeface="Times New Roman" panose="02020603050405020304" pitchFamily="18" charset="0"/>
                               </a:rPr>
@@ -4357,7 +4282,7 @@
                           </m:e>
                           <m:sub>
                             <m:r>
-                              <a:rPr lang="en-US" altLang="zh-CN" sz="1013" b="1" i="1">
+                              <a:rPr lang="en-US" altLang="zh-CN" sz="1015" b="1" i="1">
                                 <a:latin typeface="Cambria Math" panose="02040503050406030204" pitchFamily="18" charset="0"/>
                                 <a:cs typeface="Times New Roman" panose="02020603050405020304" pitchFamily="18" charset="0"/>
                               </a:rPr>
@@ -4368,7 +4293,7 @@
                       </m:oMath>
                     </m:oMathPara>
                   </a14:m>
-                  <a:endParaRPr lang="zh-CN" altLang="en-US" sz="1013" b="1" dirty="0">
+                  <a:endParaRPr lang="zh-CN" altLang="en-US" sz="1015" b="1" dirty="0">
                     <a:latin typeface="Times New Roman" panose="02020603050405020304" pitchFamily="18" charset="0"/>
                     <a:cs typeface="Times New Roman" panose="02020603050405020304" pitchFamily="18" charset="0"/>
                   </a:endParaRPr>
@@ -4393,11 +4318,8 @@
                 <a:prstGeom prst="rect">
                   <a:avLst/>
                 </a:prstGeom>
-                <a:blipFill>
-                  <a:blip r:embed="rId7"/>
-                  <a:stretch>
-                    <a:fillRect/>
-                  </a:stretch>
+                <a:blipFill rotWithShape="1">
+                  <a:blip r:embed="rId6"/>
                 </a:blipFill>
               </p:spPr>
               <p:txBody>
@@ -4405,7 +4327,7 @@
                 <a:lstStyle/>
                 <a:p>
                   <a:r>
-                    <a:rPr lang="zh-CN" altLang="en-US">
+                    <a:rPr lang="en-US" altLang="en-US">
                       <a:noFill/>
                     </a:rPr>
                     <a:t> </a:t>
@@ -4439,7 +4361,6 @@
                 </a:bodyPr>
                 <a:lstStyle/>
                 <a:p>
-                  <a:pPr/>
                   <a14:m>
                     <m:oMathPara xmlns:m="http://schemas.openxmlformats.org/officeDocument/2006/math">
                       <m:oMathParaPr>
@@ -4449,7 +4370,7 @@
                         <m:sSub>
                           <m:sSubPr>
                             <m:ctrlPr>
-                              <a:rPr lang="en-US" altLang="zh-CN" sz="1013" b="1" i="1">
+                              <a:rPr lang="en-US" altLang="zh-CN" sz="1015" b="1" i="1">
                                 <a:latin typeface="Cambria Math" panose="02040503050406030204" pitchFamily="18" charset="0"/>
                                 <a:cs typeface="Times New Roman" panose="02020603050405020304" pitchFamily="18" charset="0"/>
                               </a:rPr>
@@ -4457,7 +4378,7 @@
                           </m:sSubPr>
                           <m:e>
                             <m:r>
-                              <a:rPr lang="en-US" altLang="zh-CN" sz="1013" b="1" i="1">
+                              <a:rPr lang="en-US" altLang="zh-CN" sz="1015" b="1" i="1">
                                 <a:latin typeface="Cambria Math" panose="02040503050406030204" pitchFamily="18" charset="0"/>
                                 <a:cs typeface="Times New Roman" panose="02020603050405020304" pitchFamily="18" charset="0"/>
                               </a:rPr>
@@ -4466,7 +4387,7 @@
                           </m:e>
                           <m:sub>
                             <m:r>
-                              <a:rPr lang="en-US" altLang="zh-CN" sz="1013" b="1" i="1">
+                              <a:rPr lang="en-US" altLang="zh-CN" sz="1015" b="1" i="1">
                                 <a:latin typeface="Cambria Math" panose="02040503050406030204" pitchFamily="18" charset="0"/>
                                 <a:cs typeface="Times New Roman" panose="02020603050405020304" pitchFamily="18" charset="0"/>
                               </a:rPr>
@@ -4477,7 +4398,7 @@
                       </m:oMath>
                     </m:oMathPara>
                   </a14:m>
-                  <a:endParaRPr lang="zh-CN" altLang="en-US" sz="1013" b="1" dirty="0">
+                  <a:endParaRPr lang="zh-CN" altLang="en-US" sz="1015" b="1" dirty="0">
                     <a:latin typeface="Times New Roman" panose="02020603050405020304" pitchFamily="18" charset="0"/>
                     <a:cs typeface="Times New Roman" panose="02020603050405020304" pitchFamily="18" charset="0"/>
                   </a:endParaRPr>
@@ -4502,11 +4423,8 @@
                 <a:prstGeom prst="rect">
                   <a:avLst/>
                 </a:prstGeom>
-                <a:blipFill>
-                  <a:blip r:embed="rId8"/>
-                  <a:stretch>
-                    <a:fillRect/>
-                  </a:stretch>
+                <a:blipFill rotWithShape="1">
+                  <a:blip r:embed="rId7"/>
                 </a:blipFill>
               </p:spPr>
               <p:txBody>
@@ -4514,7 +4432,7 @@
                 <a:lstStyle/>
                 <a:p>
                   <a:r>
-                    <a:rPr lang="zh-CN" altLang="en-US">
+                    <a:rPr lang="en-US" altLang="en-US">
                       <a:noFill/>
                     </a:rPr>
                     <a:t> </a:t>
@@ -4548,7 +4466,6 @@
                 </a:bodyPr>
                 <a:lstStyle/>
                 <a:p>
-                  <a:pPr/>
                   <a14:m>
                     <m:oMathPara xmlns:m="http://schemas.openxmlformats.org/officeDocument/2006/math">
                       <m:oMathParaPr>
@@ -4556,28 +4473,28 @@
                       </m:oMathParaPr>
                       <m:oMath xmlns:m="http://schemas.openxmlformats.org/officeDocument/2006/math">
                         <m:r>
-                          <a:rPr lang="en-US" altLang="zh-CN" sz="1013" b="1" i="1">
+                          <a:rPr lang="en-US" altLang="zh-CN" sz="1015" b="1" i="1">
                             <a:latin typeface="Cambria Math" panose="02040503050406030204" pitchFamily="18" charset="0"/>
                             <a:cs typeface="Times New Roman" panose="02020603050405020304" pitchFamily="18" charset="0"/>
                           </a:rPr>
                           <m:t>𝒓</m:t>
                         </m:r>
                         <m:r>
-                          <a:rPr lang="en-US" altLang="zh-CN" sz="1013" i="1">
+                          <a:rPr lang="en-US" altLang="zh-CN" sz="1015" i="1">
                             <a:latin typeface="Cambria Math" panose="02040503050406030204" pitchFamily="18" charset="0"/>
                             <a:cs typeface="Times New Roman" panose="02020603050405020304" pitchFamily="18" charset="0"/>
                           </a:rPr>
                           <m:t>(</m:t>
                         </m:r>
                         <m:r>
-                          <a:rPr lang="en-US" altLang="zh-CN" sz="1013" i="1">
+                          <a:rPr lang="en-US" altLang="zh-CN" sz="1015" i="1">
                             <a:latin typeface="Cambria Math" panose="02040503050406030204" pitchFamily="18" charset="0"/>
                             <a:cs typeface="Times New Roman" panose="02020603050405020304" pitchFamily="18" charset="0"/>
                           </a:rPr>
                           <m:t>𝑡</m:t>
                         </m:r>
                         <m:r>
-                          <a:rPr lang="en-US" altLang="zh-CN" sz="1013" i="1">
+                          <a:rPr lang="en-US" altLang="zh-CN" sz="1015" i="1">
                             <a:latin typeface="Cambria Math" panose="02040503050406030204" pitchFamily="18" charset="0"/>
                             <a:cs typeface="Times New Roman" panose="02020603050405020304" pitchFamily="18" charset="0"/>
                           </a:rPr>
@@ -4586,7 +4503,7 @@
                       </m:oMath>
                     </m:oMathPara>
                   </a14:m>
-                  <a:endParaRPr lang="zh-CN" altLang="en-US" sz="1013" dirty="0">
+                  <a:endParaRPr lang="zh-CN" altLang="en-US" sz="1015" dirty="0">
                     <a:latin typeface="Times New Roman" panose="02020603050405020304" pitchFamily="18" charset="0"/>
                     <a:cs typeface="Times New Roman" panose="02020603050405020304" pitchFamily="18" charset="0"/>
                   </a:endParaRPr>
@@ -4611,11 +4528,8 @@
                 <a:prstGeom prst="rect">
                   <a:avLst/>
                 </a:prstGeom>
-                <a:blipFill>
-                  <a:blip r:embed="rId9"/>
-                  <a:stretch>
-                    <a:fillRect b="-7500"/>
-                  </a:stretch>
+                <a:blipFill rotWithShape="1">
+                  <a:blip r:embed="rId8"/>
                 </a:blipFill>
               </p:spPr>
               <p:txBody>
@@ -4623,7 +4537,7 @@
                 <a:lstStyle/>
                 <a:p>
                   <a:r>
-                    <a:rPr lang="zh-CN" altLang="en-US">
+                    <a:rPr lang="en-US" altLang="en-US">
                       <a:noFill/>
                     </a:rPr>
                     <a:t> </a:t>
@@ -4635,11 +4549,6 @@
         </mc:AlternateContent>
       </p:grpSp>
     </p:spTree>
-    <p:extLst>
-      <p:ext uri="{BB962C8B-B14F-4D97-AF65-F5344CB8AC3E}">
-        <p14:creationId xmlns:p14="http://schemas.microsoft.com/office/powerpoint/2010/main" val="1048699643"/>
-      </p:ext>
-    </p:extLst>
   </p:cSld>
   <p:clrMapOvr>
     <a:masterClrMapping/>
@@ -4679,7 +4588,7 @@
         </p:nvGrpSpPr>
         <p:grpSpPr>
           <a:xfrm>
-            <a:off x="1365183" y="1617043"/>
+            <a:off x="880043" y="1076658"/>
             <a:ext cx="4962780" cy="8075598"/>
             <a:chOff x="1365183" y="1617043"/>
             <a:chExt cx="4962780" cy="8075598"/>
@@ -5375,11 +5284,8 @@
                 <a:prstGeom prst="rect">
                   <a:avLst/>
                 </a:prstGeom>
-                <a:blipFill>
-                  <a:blip r:embed="rId2"/>
-                  <a:stretch>
-                    <a:fillRect r="-1166"/>
-                  </a:stretch>
+                <a:blipFill rotWithShape="1">
+                  <a:blip r:embed="rId1"/>
                 </a:blipFill>
                 <a:ln w="28575">
                   <a:solidFill>
@@ -5387,12 +5293,28 @@
                   </a:solidFill>
                 </a:ln>
               </p:spPr>
+              <p:style>
+                <a:lnRef idx="2">
+                  <a:schemeClr val="accent1">
+                    <a:shade val="50000"/>
+                  </a:schemeClr>
+                </a:lnRef>
+                <a:fillRef idx="1">
+                  <a:schemeClr val="accent1"/>
+                </a:fillRef>
+                <a:effectRef idx="0">
+                  <a:schemeClr val="accent1"/>
+                </a:effectRef>
+                <a:fontRef idx="minor">
+                  <a:schemeClr val="lt1"/>
+                </a:fontRef>
+              </p:style>
               <p:txBody>
                 <a:bodyPr/>
                 <a:lstStyle/>
                 <a:p>
                   <a:r>
-                    <a:rPr lang="zh-CN" altLang="en-US">
+                    <a:rPr lang="en-US" altLang="en-US">
                       <a:noFill/>
                     </a:rPr>
                     <a:t> </a:t>
@@ -5951,11 +5873,8 @@
                 <a:prstGeom prst="rect">
                   <a:avLst/>
                 </a:prstGeom>
-                <a:blipFill>
-                  <a:blip r:embed="rId3"/>
-                  <a:stretch>
-                    <a:fillRect/>
-                  </a:stretch>
+                <a:blipFill rotWithShape="1">
+                  <a:blip r:embed="rId2"/>
                 </a:blipFill>
                 <a:ln w="28575">
                   <a:solidFill>
@@ -5963,12 +5882,28 @@
                   </a:solidFill>
                 </a:ln>
               </p:spPr>
+              <p:style>
+                <a:lnRef idx="2">
+                  <a:schemeClr val="accent1">
+                    <a:shade val="50000"/>
+                  </a:schemeClr>
+                </a:lnRef>
+                <a:fillRef idx="1">
+                  <a:schemeClr val="accent1"/>
+                </a:fillRef>
+                <a:effectRef idx="0">
+                  <a:schemeClr val="accent1"/>
+                </a:effectRef>
+                <a:fontRef idx="minor">
+                  <a:schemeClr val="lt1"/>
+                </a:fontRef>
+              </p:style>
               <p:txBody>
                 <a:bodyPr/>
                 <a:lstStyle/>
                 <a:p>
                   <a:r>
-                    <a:rPr lang="zh-CN" altLang="en-US">
+                    <a:rPr lang="en-US" altLang="en-US">
                       <a:noFill/>
                     </a:rPr>
                     <a:t> </a:t>
@@ -6235,7 +6170,7 @@
             <p:nvPr/>
           </p:nvPicPr>
           <p:blipFill>
-            <a:blip r:embed="rId4">
+            <a:blip r:embed="rId3">
               <a:extLst>
                 <a:ext uri="{28A0092B-C50C-407E-A947-70E740481C1C}">
                   <a14:useLocalDpi xmlns:a14="http://schemas.microsoft.com/office/drawing/2010/main" val="0"/>
@@ -6332,11 +6267,6 @@
         </p:cxnSp>
       </p:grpSp>
     </p:spTree>
-    <p:extLst>
-      <p:ext uri="{BB962C8B-B14F-4D97-AF65-F5344CB8AC3E}">
-        <p14:creationId xmlns:p14="http://schemas.microsoft.com/office/powerpoint/2010/main" val="4172541577"/>
-      </p:ext>
-    </p:extLst>
   </p:cSld>
   <p:clrMapOvr>
     <a:masterClrMapping/>
@@ -6348,6 +6278,139 @@
       </p:par>
     </p:tnLst>
   </p:timing>
+</p:sld>
+</file>
+
+<file path=ppt/slides/slide3.xml><?xml version="1.0" encoding="utf-8"?>
+<p:sld xmlns:a="http://schemas.openxmlformats.org/drawingml/2006/main" xmlns:r="http://schemas.openxmlformats.org/officeDocument/2006/relationships" xmlns:p="http://schemas.openxmlformats.org/presentationml/2006/main">
+  <p:cSld>
+    <p:spTree>
+      <p:nvGrpSpPr>
+        <p:cNvPr id="1" name=""/>
+        <p:cNvGrpSpPr/>
+        <p:nvPr/>
+      </p:nvGrpSpPr>
+      <p:grpSpPr/>
+      <p:sp>
+        <p:nvSpPr>
+          <p:cNvPr id="4" name="Rounded Rectangle 3"/>
+          <p:cNvSpPr/>
+          <p:nvPr/>
+        </p:nvSpPr>
+        <p:spPr>
+          <a:xfrm>
+            <a:off x="545465" y="3306445"/>
+            <a:ext cx="1973580" cy="959485"/>
+          </a:xfrm>
+          <a:prstGeom prst="roundRect">
+            <a:avLst/>
+          </a:prstGeom>
+          <a:solidFill>
+            <a:schemeClr val="bg1"/>
+          </a:solidFill>
+          <a:ln w="28575">
+            <a:solidFill>
+              <a:schemeClr val="tx1"/>
+            </a:solidFill>
+          </a:ln>
+        </p:spPr>
+        <p:style>
+          <a:lnRef idx="2">
+            <a:schemeClr val="accent1">
+              <a:shade val="50000"/>
+            </a:schemeClr>
+          </a:lnRef>
+          <a:fillRef idx="1">
+            <a:schemeClr val="accent1"/>
+          </a:fillRef>
+          <a:effectRef idx="0">
+            <a:schemeClr val="accent1"/>
+          </a:effectRef>
+          <a:fontRef idx="minor">
+            <a:schemeClr val="lt1"/>
+          </a:fontRef>
+        </p:style>
+        <p:txBody>
+          <a:bodyPr rtlCol="0" anchor="ctr"/>
+          <a:p>
+            <a:pPr algn="ctr"/>
+            <a:endParaRPr lang="en-US"/>
+          </a:p>
+        </p:txBody>
+      </p:sp>
+      <p:sp>
+        <p:nvSpPr>
+          <p:cNvPr id="5" name="Rounded Rectangle 4"/>
+          <p:cNvSpPr/>
+          <p:nvPr/>
+        </p:nvSpPr>
+        <p:spPr>
+          <a:xfrm>
+            <a:off x="3803650" y="3306445"/>
+            <a:ext cx="1973580" cy="959485"/>
+          </a:xfrm>
+          <a:prstGeom prst="roundRect">
+            <a:avLst/>
+          </a:prstGeom>
+        </p:spPr>
+        <p:style>
+          <a:lnRef idx="2">
+            <a:schemeClr val="accent1">
+              <a:shade val="50000"/>
+            </a:schemeClr>
+          </a:lnRef>
+          <a:fillRef idx="1">
+            <a:schemeClr val="accent1"/>
+          </a:fillRef>
+          <a:effectRef idx="0">
+            <a:schemeClr val="accent1"/>
+          </a:effectRef>
+          <a:fontRef idx="minor">
+            <a:schemeClr val="lt1"/>
+          </a:fontRef>
+        </p:style>
+        <p:txBody>
+          <a:bodyPr rtlCol="0" anchor="ctr"/>
+          <a:p>
+            <a:pPr algn="ctr"/>
+            <a:endParaRPr lang="en-US"/>
+          </a:p>
+        </p:txBody>
+      </p:sp>
+      <p:sp>
+        <p:nvSpPr>
+          <p:cNvPr id="6" name="Text Box 5"/>
+          <p:cNvSpPr txBox="1"/>
+          <p:nvPr/>
+        </p:nvSpPr>
+        <p:spPr>
+          <a:xfrm>
+            <a:off x="796290" y="3441700"/>
+            <a:ext cx="1532255" cy="645160"/>
+          </a:xfrm>
+          <a:prstGeom prst="rect">
+            <a:avLst/>
+          </a:prstGeom>
+          <a:noFill/>
+        </p:spPr>
+        <p:txBody>
+          <a:bodyPr wrap="square" rtlCol="0">
+            <a:spAutoFit/>
+          </a:bodyPr>
+          <a:p>
+            <a:r>
+              <a:rPr lang="" altLang="en-US"/>
+              <a:t>Collision Checking</a:t>
+            </a:r>
+            <a:endParaRPr lang="" altLang="en-US"/>
+          </a:p>
+        </p:txBody>
+      </p:sp>
+    </p:spTree>
+  </p:cSld>
+  <p:clrMapOvr>
+    <a:masterClrMapping/>
+  </p:clrMapOvr>
 </p:sld>
 </file>
 
@@ -6394,7 +6457,7 @@
     </a:clrScheme>
     <a:fontScheme name="Office 主题​​">
       <a:majorFont>
-        <a:latin typeface="Calibri Light" panose="020F0302020204030204"/>
+        <a:latin typeface="Calibri Light"/>
         <a:ea typeface=""/>
         <a:cs typeface=""/>
         <a:font script="Jpan" typeface="游ゴシック Light"/>
@@ -6429,7 +6492,7 @@
         <a:font script="Geor" typeface="Sylfaen"/>
       </a:majorFont>
       <a:minorFont>
-        <a:latin typeface="Calibri" panose="020F0502020204030204"/>
+        <a:latin typeface="Calibri"/>
         <a:ea typeface=""/>
         <a:cs typeface=""/>
         <a:font script="Jpan" typeface="游ゴシック"/>
@@ -6602,8 +6665,6 @@
       </a:bgFillStyleLst>
     </a:fmtScheme>
   </a:themeElements>
-  <a:objectDefaults/>
-  <a:extraClrSchemeLst/>
   <a:extLst>
     <a:ext uri="{05A4C25C-085E-4340-85A3-A5531E510DB2}">
       <thm15:themeFamily xmlns:thm15="http://schemas.microsoft.com/office/thememl/2012/main" name="Office Theme" id="{62F939B6-93AF-4DB8-9C6B-D6C7DFDC589F}" vid="{4A3C46E8-61CC-4603-A589-7422A47A8E4A}"/>
